--- a/ppt 16-9/0586.全然向你.pptx
+++ b/ppt 16-9/0586.全然向你.pptx
@@ -5,7 +5,7 @@
     <p:sldMasterId id="2147483648" r:id="rId1"/>
   </p:sldMasterIdLst>
   <p:sldIdLst>
-    <p:sldId id="2354" r:id="rId2"/>
+    <p:sldId id="2355" r:id="rId2"/>
   </p:sldIdLst>
   <p:sldSz cx="12192000" cy="6858000"/>
   <p:notesSz cx="6858000" cy="9144000"/>
@@ -129,7 +129,7 @@
           <p:cNvPr id="2" name="标题 1">
             <a:extLst>
               <a:ext uri="{FF2B5EF4-FFF2-40B4-BE49-F238E27FC236}">
-                <a16:creationId xmlns:a16="http://schemas.microsoft.com/office/drawing/2014/main" id="{9487DF4B-C6DD-0AFF-A19B-2178037A6DE0}"/>
+                <a16:creationId xmlns:a16="http://schemas.microsoft.com/office/drawing/2014/main" id="{82AB7C0E-ED1B-ADCA-0E7D-E1DBDF0891DD}"/>
               </a:ext>
             </a:extLst>
           </p:cNvPr>
@@ -166,7 +166,7 @@
           <p:cNvPr id="3" name="副标题 2">
             <a:extLst>
               <a:ext uri="{FF2B5EF4-FFF2-40B4-BE49-F238E27FC236}">
-                <a16:creationId xmlns:a16="http://schemas.microsoft.com/office/drawing/2014/main" id="{71C84B27-5DE3-5972-3F26-66BF0060498B}"/>
+                <a16:creationId xmlns:a16="http://schemas.microsoft.com/office/drawing/2014/main" id="{34D43EE4-F266-B614-CA85-4F1A0CAEFC85}"/>
               </a:ext>
             </a:extLst>
           </p:cNvPr>
@@ -236,7 +236,7 @@
           <p:cNvPr id="4" name="日期占位符 3">
             <a:extLst>
               <a:ext uri="{FF2B5EF4-FFF2-40B4-BE49-F238E27FC236}">
-                <a16:creationId xmlns:a16="http://schemas.microsoft.com/office/drawing/2014/main" id="{AD3A2AE0-CB79-25B0-5827-469EDC9F3D3C}"/>
+                <a16:creationId xmlns:a16="http://schemas.microsoft.com/office/drawing/2014/main" id="{35FE6B07-719F-5217-B7B2-EB56A4AFC424}"/>
               </a:ext>
             </a:extLst>
           </p:cNvPr>
@@ -252,7 +252,7 @@
           <a:bodyPr/>
           <a:lstStyle/>
           <a:p>
-            <a:fld id="{A519B9D6-0115-49FB-AC81-37F0EBEBC13D}" type="datetimeFigureOut">
+            <a:fld id="{FADA031B-5CD9-4A3B-A657-E99CCB5CA06F}" type="datetimeFigureOut">
               <a:rPr lang="zh-CN" altLang="en-US" smtClean="0"/>
               <a:t>2024/3/10</a:t>
             </a:fld>
@@ -265,7 +265,7 @@
           <p:cNvPr id="5" name="页脚占位符 4">
             <a:extLst>
               <a:ext uri="{FF2B5EF4-FFF2-40B4-BE49-F238E27FC236}">
-                <a16:creationId xmlns:a16="http://schemas.microsoft.com/office/drawing/2014/main" id="{9251C3C2-FF3F-E62C-D5E3-9060E0EB2D86}"/>
+                <a16:creationId xmlns:a16="http://schemas.microsoft.com/office/drawing/2014/main" id="{59ABFBF1-471C-6AE7-18B5-0109D95DC56B}"/>
               </a:ext>
             </a:extLst>
           </p:cNvPr>
@@ -290,7 +290,7 @@
           <p:cNvPr id="6" name="灯片编号占位符 5">
             <a:extLst>
               <a:ext uri="{FF2B5EF4-FFF2-40B4-BE49-F238E27FC236}">
-                <a16:creationId xmlns:a16="http://schemas.microsoft.com/office/drawing/2014/main" id="{AF6869D7-B97E-25BE-5E06-A37DCC678789}"/>
+                <a16:creationId xmlns:a16="http://schemas.microsoft.com/office/drawing/2014/main" id="{E284FFFA-8EDE-469D-9098-D0EB377F4D56}"/>
               </a:ext>
             </a:extLst>
           </p:cNvPr>
@@ -306,7 +306,7 @@
           <a:bodyPr/>
           <a:lstStyle/>
           <a:p>
-            <a:fld id="{FDB2589D-A126-4E1B-9208-865458F0A460}" type="slidenum">
+            <a:fld id="{22CC5FB4-3A09-433E-806F-B3B6C873A518}" type="slidenum">
               <a:rPr lang="zh-CN" altLang="en-US" smtClean="0"/>
               <a:t>‹#›</a:t>
             </a:fld>
@@ -317,7 +317,7 @@
     </p:spTree>
     <p:extLst>
       <p:ext uri="{BB962C8B-B14F-4D97-AF65-F5344CB8AC3E}">
-        <p14:creationId xmlns:p14="http://schemas.microsoft.com/office/powerpoint/2010/main" val="2175940988"/>
+        <p14:creationId xmlns:p14="http://schemas.microsoft.com/office/powerpoint/2010/main" val="2406038546"/>
       </p:ext>
     </p:extLst>
   </p:cSld>
@@ -349,7 +349,7 @@
           <p:cNvPr id="2" name="标题 1">
             <a:extLst>
               <a:ext uri="{FF2B5EF4-FFF2-40B4-BE49-F238E27FC236}">
-                <a16:creationId xmlns:a16="http://schemas.microsoft.com/office/drawing/2014/main" id="{1C1D5369-F88C-E1B1-FD0F-36003B50CE57}"/>
+                <a16:creationId xmlns:a16="http://schemas.microsoft.com/office/drawing/2014/main" id="{BD3F9C23-63DE-A405-DF78-757BD8123EF2}"/>
               </a:ext>
             </a:extLst>
           </p:cNvPr>
@@ -377,7 +377,7 @@
           <p:cNvPr id="3" name="竖排文字占位符 2">
             <a:extLst>
               <a:ext uri="{FF2B5EF4-FFF2-40B4-BE49-F238E27FC236}">
-                <a16:creationId xmlns:a16="http://schemas.microsoft.com/office/drawing/2014/main" id="{7BC21A3B-5159-D27E-C591-79E02465CEBB}"/>
+                <a16:creationId xmlns:a16="http://schemas.microsoft.com/office/drawing/2014/main" id="{C43D68F2-906B-8AC7-F4EB-CF4CC21816A7}"/>
               </a:ext>
             </a:extLst>
           </p:cNvPr>
@@ -434,7 +434,7 @@
           <p:cNvPr id="4" name="日期占位符 3">
             <a:extLst>
               <a:ext uri="{FF2B5EF4-FFF2-40B4-BE49-F238E27FC236}">
-                <a16:creationId xmlns:a16="http://schemas.microsoft.com/office/drawing/2014/main" id="{0D541924-225F-B1EE-708C-DDE969988EC1}"/>
+                <a16:creationId xmlns:a16="http://schemas.microsoft.com/office/drawing/2014/main" id="{3740277F-4138-1E6A-B53F-F22FA1C61307}"/>
               </a:ext>
             </a:extLst>
           </p:cNvPr>
@@ -450,7 +450,7 @@
           <a:bodyPr/>
           <a:lstStyle/>
           <a:p>
-            <a:fld id="{A519B9D6-0115-49FB-AC81-37F0EBEBC13D}" type="datetimeFigureOut">
+            <a:fld id="{FADA031B-5CD9-4A3B-A657-E99CCB5CA06F}" type="datetimeFigureOut">
               <a:rPr lang="zh-CN" altLang="en-US" smtClean="0"/>
               <a:t>2024/3/10</a:t>
             </a:fld>
@@ -463,7 +463,7 @@
           <p:cNvPr id="5" name="页脚占位符 4">
             <a:extLst>
               <a:ext uri="{FF2B5EF4-FFF2-40B4-BE49-F238E27FC236}">
-                <a16:creationId xmlns:a16="http://schemas.microsoft.com/office/drawing/2014/main" id="{9E269A73-C9D4-F816-4698-B7F55670DC09}"/>
+                <a16:creationId xmlns:a16="http://schemas.microsoft.com/office/drawing/2014/main" id="{29EBF81B-00D4-54FC-D55C-7CBBACDD8F4E}"/>
               </a:ext>
             </a:extLst>
           </p:cNvPr>
@@ -488,7 +488,7 @@
           <p:cNvPr id="6" name="灯片编号占位符 5">
             <a:extLst>
               <a:ext uri="{FF2B5EF4-FFF2-40B4-BE49-F238E27FC236}">
-                <a16:creationId xmlns:a16="http://schemas.microsoft.com/office/drawing/2014/main" id="{FAD79908-7330-7FB4-0E6A-CDF9396719FE}"/>
+                <a16:creationId xmlns:a16="http://schemas.microsoft.com/office/drawing/2014/main" id="{A0B7B921-9E50-CADB-2523-A3E522A7D2CE}"/>
               </a:ext>
             </a:extLst>
           </p:cNvPr>
@@ -504,7 +504,7 @@
           <a:bodyPr/>
           <a:lstStyle/>
           <a:p>
-            <a:fld id="{FDB2589D-A126-4E1B-9208-865458F0A460}" type="slidenum">
+            <a:fld id="{22CC5FB4-3A09-433E-806F-B3B6C873A518}" type="slidenum">
               <a:rPr lang="zh-CN" altLang="en-US" smtClean="0"/>
               <a:t>‹#›</a:t>
             </a:fld>
@@ -515,7 +515,7 @@
     </p:spTree>
     <p:extLst>
       <p:ext uri="{BB962C8B-B14F-4D97-AF65-F5344CB8AC3E}">
-        <p14:creationId xmlns:p14="http://schemas.microsoft.com/office/powerpoint/2010/main" val="4086789787"/>
+        <p14:creationId xmlns:p14="http://schemas.microsoft.com/office/powerpoint/2010/main" val="306308290"/>
       </p:ext>
     </p:extLst>
   </p:cSld>
@@ -547,7 +547,7 @@
           <p:cNvPr id="2" name="竖排标题 1">
             <a:extLst>
               <a:ext uri="{FF2B5EF4-FFF2-40B4-BE49-F238E27FC236}">
-                <a16:creationId xmlns:a16="http://schemas.microsoft.com/office/drawing/2014/main" id="{7B2E109E-6A45-BAFE-C2C9-A738F9A0F7E5}"/>
+                <a16:creationId xmlns:a16="http://schemas.microsoft.com/office/drawing/2014/main" id="{B276DCC8-5DD2-937B-1B8F-AE41FB9CACCB}"/>
               </a:ext>
             </a:extLst>
           </p:cNvPr>
@@ -580,7 +580,7 @@
           <p:cNvPr id="3" name="竖排文字占位符 2">
             <a:extLst>
               <a:ext uri="{FF2B5EF4-FFF2-40B4-BE49-F238E27FC236}">
-                <a16:creationId xmlns:a16="http://schemas.microsoft.com/office/drawing/2014/main" id="{145971FF-7530-B17D-0768-A3001FD14465}"/>
+                <a16:creationId xmlns:a16="http://schemas.microsoft.com/office/drawing/2014/main" id="{C7B79B88-38D1-8F21-AE53-F7D56BADC17E}"/>
               </a:ext>
             </a:extLst>
           </p:cNvPr>
@@ -642,7 +642,7 @@
           <p:cNvPr id="4" name="日期占位符 3">
             <a:extLst>
               <a:ext uri="{FF2B5EF4-FFF2-40B4-BE49-F238E27FC236}">
-                <a16:creationId xmlns:a16="http://schemas.microsoft.com/office/drawing/2014/main" id="{5D457214-D6F2-FA58-4904-1B57434C7E2B}"/>
+                <a16:creationId xmlns:a16="http://schemas.microsoft.com/office/drawing/2014/main" id="{21687685-01F4-8E91-BC31-03E96A45B5F7}"/>
               </a:ext>
             </a:extLst>
           </p:cNvPr>
@@ -658,7 +658,7 @@
           <a:bodyPr/>
           <a:lstStyle/>
           <a:p>
-            <a:fld id="{A519B9D6-0115-49FB-AC81-37F0EBEBC13D}" type="datetimeFigureOut">
+            <a:fld id="{FADA031B-5CD9-4A3B-A657-E99CCB5CA06F}" type="datetimeFigureOut">
               <a:rPr lang="zh-CN" altLang="en-US" smtClean="0"/>
               <a:t>2024/3/10</a:t>
             </a:fld>
@@ -671,7 +671,7 @@
           <p:cNvPr id="5" name="页脚占位符 4">
             <a:extLst>
               <a:ext uri="{FF2B5EF4-FFF2-40B4-BE49-F238E27FC236}">
-                <a16:creationId xmlns:a16="http://schemas.microsoft.com/office/drawing/2014/main" id="{8271D875-BB1B-6329-0F6C-06872B634944}"/>
+                <a16:creationId xmlns:a16="http://schemas.microsoft.com/office/drawing/2014/main" id="{9C786CE7-BB57-156D-E624-44DBFD676AB1}"/>
               </a:ext>
             </a:extLst>
           </p:cNvPr>
@@ -696,7 +696,7 @@
           <p:cNvPr id="6" name="灯片编号占位符 5">
             <a:extLst>
               <a:ext uri="{FF2B5EF4-FFF2-40B4-BE49-F238E27FC236}">
-                <a16:creationId xmlns:a16="http://schemas.microsoft.com/office/drawing/2014/main" id="{E8FCA209-97A6-3C37-71E1-956D77A203FC}"/>
+                <a16:creationId xmlns:a16="http://schemas.microsoft.com/office/drawing/2014/main" id="{59621F83-361C-623E-F6E5-59565BE63249}"/>
               </a:ext>
             </a:extLst>
           </p:cNvPr>
@@ -712,7 +712,7 @@
           <a:bodyPr/>
           <a:lstStyle/>
           <a:p>
-            <a:fld id="{FDB2589D-A126-4E1B-9208-865458F0A460}" type="slidenum">
+            <a:fld id="{22CC5FB4-3A09-433E-806F-B3B6C873A518}" type="slidenum">
               <a:rPr lang="zh-CN" altLang="en-US" smtClean="0"/>
               <a:t>‹#›</a:t>
             </a:fld>
@@ -723,7 +723,7 @@
     </p:spTree>
     <p:extLst>
       <p:ext uri="{BB962C8B-B14F-4D97-AF65-F5344CB8AC3E}">
-        <p14:creationId xmlns:p14="http://schemas.microsoft.com/office/powerpoint/2010/main" val="965167489"/>
+        <p14:creationId xmlns:p14="http://schemas.microsoft.com/office/powerpoint/2010/main" val="2368421799"/>
       </p:ext>
     </p:extLst>
   </p:cSld>
@@ -755,7 +755,7 @@
           <p:cNvPr id="2" name="标题 1">
             <a:extLst>
               <a:ext uri="{FF2B5EF4-FFF2-40B4-BE49-F238E27FC236}">
-                <a16:creationId xmlns:a16="http://schemas.microsoft.com/office/drawing/2014/main" id="{85537EFD-83B7-8BB7-DB49-80F5218F8737}"/>
+                <a16:creationId xmlns:a16="http://schemas.microsoft.com/office/drawing/2014/main" id="{FF421833-7A64-328F-7BB8-60524C024BE4}"/>
               </a:ext>
             </a:extLst>
           </p:cNvPr>
@@ -783,7 +783,7 @@
           <p:cNvPr id="3" name="内容占位符 2">
             <a:extLst>
               <a:ext uri="{FF2B5EF4-FFF2-40B4-BE49-F238E27FC236}">
-                <a16:creationId xmlns:a16="http://schemas.microsoft.com/office/drawing/2014/main" id="{6CF17684-F797-D12E-8ECF-E60071039B86}"/>
+                <a16:creationId xmlns:a16="http://schemas.microsoft.com/office/drawing/2014/main" id="{3032F62B-43DB-BA8B-883A-763E7AA0BD99}"/>
               </a:ext>
             </a:extLst>
           </p:cNvPr>
@@ -840,7 +840,7 @@
           <p:cNvPr id="4" name="日期占位符 3">
             <a:extLst>
               <a:ext uri="{FF2B5EF4-FFF2-40B4-BE49-F238E27FC236}">
-                <a16:creationId xmlns:a16="http://schemas.microsoft.com/office/drawing/2014/main" id="{F65B07F7-CC90-BA82-ED99-280CB1D112E0}"/>
+                <a16:creationId xmlns:a16="http://schemas.microsoft.com/office/drawing/2014/main" id="{6756A4E1-6D08-9071-6956-C6FCCA3B48AC}"/>
               </a:ext>
             </a:extLst>
           </p:cNvPr>
@@ -856,7 +856,7 @@
           <a:bodyPr/>
           <a:lstStyle/>
           <a:p>
-            <a:fld id="{A519B9D6-0115-49FB-AC81-37F0EBEBC13D}" type="datetimeFigureOut">
+            <a:fld id="{FADA031B-5CD9-4A3B-A657-E99CCB5CA06F}" type="datetimeFigureOut">
               <a:rPr lang="zh-CN" altLang="en-US" smtClean="0"/>
               <a:t>2024/3/10</a:t>
             </a:fld>
@@ -869,7 +869,7 @@
           <p:cNvPr id="5" name="页脚占位符 4">
             <a:extLst>
               <a:ext uri="{FF2B5EF4-FFF2-40B4-BE49-F238E27FC236}">
-                <a16:creationId xmlns:a16="http://schemas.microsoft.com/office/drawing/2014/main" id="{BCBB5A53-F80B-32C4-BEEF-CD2CA761061D}"/>
+                <a16:creationId xmlns:a16="http://schemas.microsoft.com/office/drawing/2014/main" id="{93820463-5E41-A08C-F3CC-2E87AE523038}"/>
               </a:ext>
             </a:extLst>
           </p:cNvPr>
@@ -894,7 +894,7 @@
           <p:cNvPr id="6" name="灯片编号占位符 5">
             <a:extLst>
               <a:ext uri="{FF2B5EF4-FFF2-40B4-BE49-F238E27FC236}">
-                <a16:creationId xmlns:a16="http://schemas.microsoft.com/office/drawing/2014/main" id="{E595A67F-A7CD-62CD-399C-EBCE9E031EAA}"/>
+                <a16:creationId xmlns:a16="http://schemas.microsoft.com/office/drawing/2014/main" id="{97C6AF42-308E-D43C-9DF9-968ED3539284}"/>
               </a:ext>
             </a:extLst>
           </p:cNvPr>
@@ -910,7 +910,7 @@
           <a:bodyPr/>
           <a:lstStyle/>
           <a:p>
-            <a:fld id="{FDB2589D-A126-4E1B-9208-865458F0A460}" type="slidenum">
+            <a:fld id="{22CC5FB4-3A09-433E-806F-B3B6C873A518}" type="slidenum">
               <a:rPr lang="zh-CN" altLang="en-US" smtClean="0"/>
               <a:t>‹#›</a:t>
             </a:fld>
@@ -921,7 +921,7 @@
     </p:spTree>
     <p:extLst>
       <p:ext uri="{BB962C8B-B14F-4D97-AF65-F5344CB8AC3E}">
-        <p14:creationId xmlns:p14="http://schemas.microsoft.com/office/powerpoint/2010/main" val="254185677"/>
+        <p14:creationId xmlns:p14="http://schemas.microsoft.com/office/powerpoint/2010/main" val="2262468693"/>
       </p:ext>
     </p:extLst>
   </p:cSld>
@@ -953,7 +953,7 @@
           <p:cNvPr id="2" name="标题 1">
             <a:extLst>
               <a:ext uri="{FF2B5EF4-FFF2-40B4-BE49-F238E27FC236}">
-                <a16:creationId xmlns:a16="http://schemas.microsoft.com/office/drawing/2014/main" id="{F270924C-6F8B-6622-8743-CE4463FF7D54}"/>
+                <a16:creationId xmlns:a16="http://schemas.microsoft.com/office/drawing/2014/main" id="{AF395198-426A-E763-7D73-C110A9DF695C}"/>
               </a:ext>
             </a:extLst>
           </p:cNvPr>
@@ -990,7 +990,7 @@
           <p:cNvPr id="3" name="文本占位符 2">
             <a:extLst>
               <a:ext uri="{FF2B5EF4-FFF2-40B4-BE49-F238E27FC236}">
-                <a16:creationId xmlns:a16="http://schemas.microsoft.com/office/drawing/2014/main" id="{F1600808-A4ED-80FD-C9FC-F1A03CF3DFD8}"/>
+                <a16:creationId xmlns:a16="http://schemas.microsoft.com/office/drawing/2014/main" id="{785985AE-E293-F9B2-EDB9-18CAA72AAEDB}"/>
               </a:ext>
             </a:extLst>
           </p:cNvPr>
@@ -1115,7 +1115,7 @@
           <p:cNvPr id="4" name="日期占位符 3">
             <a:extLst>
               <a:ext uri="{FF2B5EF4-FFF2-40B4-BE49-F238E27FC236}">
-                <a16:creationId xmlns:a16="http://schemas.microsoft.com/office/drawing/2014/main" id="{403846D4-9890-9C6C-8707-60CEB4CE26C3}"/>
+                <a16:creationId xmlns:a16="http://schemas.microsoft.com/office/drawing/2014/main" id="{D33AE766-0CC4-A6A4-DFF3-6D37A60B2451}"/>
               </a:ext>
             </a:extLst>
           </p:cNvPr>
@@ -1131,7 +1131,7 @@
           <a:bodyPr/>
           <a:lstStyle/>
           <a:p>
-            <a:fld id="{A519B9D6-0115-49FB-AC81-37F0EBEBC13D}" type="datetimeFigureOut">
+            <a:fld id="{FADA031B-5CD9-4A3B-A657-E99CCB5CA06F}" type="datetimeFigureOut">
               <a:rPr lang="zh-CN" altLang="en-US" smtClean="0"/>
               <a:t>2024/3/10</a:t>
             </a:fld>
@@ -1144,7 +1144,7 @@
           <p:cNvPr id="5" name="页脚占位符 4">
             <a:extLst>
               <a:ext uri="{FF2B5EF4-FFF2-40B4-BE49-F238E27FC236}">
-                <a16:creationId xmlns:a16="http://schemas.microsoft.com/office/drawing/2014/main" id="{98760EF3-2E42-AF22-D20C-F6D6F8C8A417}"/>
+                <a16:creationId xmlns:a16="http://schemas.microsoft.com/office/drawing/2014/main" id="{D0317929-9344-4922-989B-67073020B7FF}"/>
               </a:ext>
             </a:extLst>
           </p:cNvPr>
@@ -1169,7 +1169,7 @@
           <p:cNvPr id="6" name="灯片编号占位符 5">
             <a:extLst>
               <a:ext uri="{FF2B5EF4-FFF2-40B4-BE49-F238E27FC236}">
-                <a16:creationId xmlns:a16="http://schemas.microsoft.com/office/drawing/2014/main" id="{93A83BAB-F7BF-E30D-3029-9F3194279F84}"/>
+                <a16:creationId xmlns:a16="http://schemas.microsoft.com/office/drawing/2014/main" id="{8B7E5A78-B52E-38C9-7C39-D35C5BD7B78D}"/>
               </a:ext>
             </a:extLst>
           </p:cNvPr>
@@ -1185,7 +1185,7 @@
           <a:bodyPr/>
           <a:lstStyle/>
           <a:p>
-            <a:fld id="{FDB2589D-A126-4E1B-9208-865458F0A460}" type="slidenum">
+            <a:fld id="{22CC5FB4-3A09-433E-806F-B3B6C873A518}" type="slidenum">
               <a:rPr lang="zh-CN" altLang="en-US" smtClean="0"/>
               <a:t>‹#›</a:t>
             </a:fld>
@@ -1196,7 +1196,7 @@
     </p:spTree>
     <p:extLst>
       <p:ext uri="{BB962C8B-B14F-4D97-AF65-F5344CB8AC3E}">
-        <p14:creationId xmlns:p14="http://schemas.microsoft.com/office/powerpoint/2010/main" val="618033997"/>
+        <p14:creationId xmlns:p14="http://schemas.microsoft.com/office/powerpoint/2010/main" val="138530161"/>
       </p:ext>
     </p:extLst>
   </p:cSld>
@@ -1228,7 +1228,7 @@
           <p:cNvPr id="2" name="标题 1">
             <a:extLst>
               <a:ext uri="{FF2B5EF4-FFF2-40B4-BE49-F238E27FC236}">
-                <a16:creationId xmlns:a16="http://schemas.microsoft.com/office/drawing/2014/main" id="{3F7DF9C4-C9CA-BB21-3E0B-76B0C7A57EDA}"/>
+                <a16:creationId xmlns:a16="http://schemas.microsoft.com/office/drawing/2014/main" id="{FC6B1F21-BFF6-9070-A0E5-4E892D47CB16}"/>
               </a:ext>
             </a:extLst>
           </p:cNvPr>
@@ -1256,7 +1256,7 @@
           <p:cNvPr id="3" name="内容占位符 2">
             <a:extLst>
               <a:ext uri="{FF2B5EF4-FFF2-40B4-BE49-F238E27FC236}">
-                <a16:creationId xmlns:a16="http://schemas.microsoft.com/office/drawing/2014/main" id="{1776D0B3-8545-39B2-D7FC-4388123AEB07}"/>
+                <a16:creationId xmlns:a16="http://schemas.microsoft.com/office/drawing/2014/main" id="{85173F38-BA93-2460-CDB9-1AFE1B6366B2}"/>
               </a:ext>
             </a:extLst>
           </p:cNvPr>
@@ -1318,7 +1318,7 @@
           <p:cNvPr id="4" name="内容占位符 3">
             <a:extLst>
               <a:ext uri="{FF2B5EF4-FFF2-40B4-BE49-F238E27FC236}">
-                <a16:creationId xmlns:a16="http://schemas.microsoft.com/office/drawing/2014/main" id="{B163218D-F112-9F96-86C8-AC946B003E93}"/>
+                <a16:creationId xmlns:a16="http://schemas.microsoft.com/office/drawing/2014/main" id="{B1351A4E-50F4-FB38-1D18-855ED55B4E92}"/>
               </a:ext>
             </a:extLst>
           </p:cNvPr>
@@ -1380,7 +1380,7 @@
           <p:cNvPr id="5" name="日期占位符 4">
             <a:extLst>
               <a:ext uri="{FF2B5EF4-FFF2-40B4-BE49-F238E27FC236}">
-                <a16:creationId xmlns:a16="http://schemas.microsoft.com/office/drawing/2014/main" id="{C646090D-01DA-DA46-B7A9-AC796333955A}"/>
+                <a16:creationId xmlns:a16="http://schemas.microsoft.com/office/drawing/2014/main" id="{A47BAD59-CF7B-108D-34F4-3EED5C6DB20D}"/>
               </a:ext>
             </a:extLst>
           </p:cNvPr>
@@ -1396,7 +1396,7 @@
           <a:bodyPr/>
           <a:lstStyle/>
           <a:p>
-            <a:fld id="{A519B9D6-0115-49FB-AC81-37F0EBEBC13D}" type="datetimeFigureOut">
+            <a:fld id="{FADA031B-5CD9-4A3B-A657-E99CCB5CA06F}" type="datetimeFigureOut">
               <a:rPr lang="zh-CN" altLang="en-US" smtClean="0"/>
               <a:t>2024/3/10</a:t>
             </a:fld>
@@ -1409,7 +1409,7 @@
           <p:cNvPr id="6" name="页脚占位符 5">
             <a:extLst>
               <a:ext uri="{FF2B5EF4-FFF2-40B4-BE49-F238E27FC236}">
-                <a16:creationId xmlns:a16="http://schemas.microsoft.com/office/drawing/2014/main" id="{66C56CE2-56EC-DF41-DD43-632BFC78EFEA}"/>
+                <a16:creationId xmlns:a16="http://schemas.microsoft.com/office/drawing/2014/main" id="{0A82FDEB-F660-23AD-AC08-7E0B0E511B3F}"/>
               </a:ext>
             </a:extLst>
           </p:cNvPr>
@@ -1434,7 +1434,7 @@
           <p:cNvPr id="7" name="灯片编号占位符 6">
             <a:extLst>
               <a:ext uri="{FF2B5EF4-FFF2-40B4-BE49-F238E27FC236}">
-                <a16:creationId xmlns:a16="http://schemas.microsoft.com/office/drawing/2014/main" id="{8780163B-081B-99B9-DD1A-4EF4D619A2DC}"/>
+                <a16:creationId xmlns:a16="http://schemas.microsoft.com/office/drawing/2014/main" id="{4B9BF567-EBF4-2E96-0559-BB3C548AE822}"/>
               </a:ext>
             </a:extLst>
           </p:cNvPr>
@@ -1450,7 +1450,7 @@
           <a:bodyPr/>
           <a:lstStyle/>
           <a:p>
-            <a:fld id="{FDB2589D-A126-4E1B-9208-865458F0A460}" type="slidenum">
+            <a:fld id="{22CC5FB4-3A09-433E-806F-B3B6C873A518}" type="slidenum">
               <a:rPr lang="zh-CN" altLang="en-US" smtClean="0"/>
               <a:t>‹#›</a:t>
             </a:fld>
@@ -1461,7 +1461,7 @@
     </p:spTree>
     <p:extLst>
       <p:ext uri="{BB962C8B-B14F-4D97-AF65-F5344CB8AC3E}">
-        <p14:creationId xmlns:p14="http://schemas.microsoft.com/office/powerpoint/2010/main" val="3860003544"/>
+        <p14:creationId xmlns:p14="http://schemas.microsoft.com/office/powerpoint/2010/main" val="4439550"/>
       </p:ext>
     </p:extLst>
   </p:cSld>
@@ -1493,7 +1493,7 @@
           <p:cNvPr id="2" name="标题 1">
             <a:extLst>
               <a:ext uri="{FF2B5EF4-FFF2-40B4-BE49-F238E27FC236}">
-                <a16:creationId xmlns:a16="http://schemas.microsoft.com/office/drawing/2014/main" id="{1991E4B3-1E3E-EDCA-DC3B-0D33953AD539}"/>
+                <a16:creationId xmlns:a16="http://schemas.microsoft.com/office/drawing/2014/main" id="{66380DE7-4F89-2C5B-7DC3-AAF255E295CE}"/>
               </a:ext>
             </a:extLst>
           </p:cNvPr>
@@ -1526,7 +1526,7 @@
           <p:cNvPr id="3" name="文本占位符 2">
             <a:extLst>
               <a:ext uri="{FF2B5EF4-FFF2-40B4-BE49-F238E27FC236}">
-                <a16:creationId xmlns:a16="http://schemas.microsoft.com/office/drawing/2014/main" id="{FA88B9AA-108A-8F36-3892-CFC0EAA358A1}"/>
+                <a16:creationId xmlns:a16="http://schemas.microsoft.com/office/drawing/2014/main" id="{840F200B-6544-90BE-CFB8-F1C779B0CEF3}"/>
               </a:ext>
             </a:extLst>
           </p:cNvPr>
@@ -1597,7 +1597,7 @@
           <p:cNvPr id="4" name="内容占位符 3">
             <a:extLst>
               <a:ext uri="{FF2B5EF4-FFF2-40B4-BE49-F238E27FC236}">
-                <a16:creationId xmlns:a16="http://schemas.microsoft.com/office/drawing/2014/main" id="{9CD3DD89-E3B3-CA35-189C-F7BF20DC1480}"/>
+                <a16:creationId xmlns:a16="http://schemas.microsoft.com/office/drawing/2014/main" id="{A59AA729-273D-6C29-A317-2D96E363B4E6}"/>
               </a:ext>
             </a:extLst>
           </p:cNvPr>
@@ -1659,7 +1659,7 @@
           <p:cNvPr id="5" name="文本占位符 4">
             <a:extLst>
               <a:ext uri="{FF2B5EF4-FFF2-40B4-BE49-F238E27FC236}">
-                <a16:creationId xmlns:a16="http://schemas.microsoft.com/office/drawing/2014/main" id="{E6CBABA3-A28E-672B-D733-D9538B6C9B5D}"/>
+                <a16:creationId xmlns:a16="http://schemas.microsoft.com/office/drawing/2014/main" id="{A8FFA403-BED1-F36E-DD9D-D7BA7A8B155E}"/>
               </a:ext>
             </a:extLst>
           </p:cNvPr>
@@ -1730,7 +1730,7 @@
           <p:cNvPr id="6" name="内容占位符 5">
             <a:extLst>
               <a:ext uri="{FF2B5EF4-FFF2-40B4-BE49-F238E27FC236}">
-                <a16:creationId xmlns:a16="http://schemas.microsoft.com/office/drawing/2014/main" id="{C6D91CFD-A449-4157-B6AE-26A7CB728C69}"/>
+                <a16:creationId xmlns:a16="http://schemas.microsoft.com/office/drawing/2014/main" id="{8DDAF8D3-6F85-DDAA-0A9B-3927865D7696}"/>
               </a:ext>
             </a:extLst>
           </p:cNvPr>
@@ -1792,7 +1792,7 @@
           <p:cNvPr id="7" name="日期占位符 6">
             <a:extLst>
               <a:ext uri="{FF2B5EF4-FFF2-40B4-BE49-F238E27FC236}">
-                <a16:creationId xmlns:a16="http://schemas.microsoft.com/office/drawing/2014/main" id="{5B6D8788-AC52-968A-2C87-2BE9F361CC71}"/>
+                <a16:creationId xmlns:a16="http://schemas.microsoft.com/office/drawing/2014/main" id="{A141EC2E-0CC0-F615-5879-AAA086DE7CA1}"/>
               </a:ext>
             </a:extLst>
           </p:cNvPr>
@@ -1808,7 +1808,7 @@
           <a:bodyPr/>
           <a:lstStyle/>
           <a:p>
-            <a:fld id="{A519B9D6-0115-49FB-AC81-37F0EBEBC13D}" type="datetimeFigureOut">
+            <a:fld id="{FADA031B-5CD9-4A3B-A657-E99CCB5CA06F}" type="datetimeFigureOut">
               <a:rPr lang="zh-CN" altLang="en-US" smtClean="0"/>
               <a:t>2024/3/10</a:t>
             </a:fld>
@@ -1821,7 +1821,7 @@
           <p:cNvPr id="8" name="页脚占位符 7">
             <a:extLst>
               <a:ext uri="{FF2B5EF4-FFF2-40B4-BE49-F238E27FC236}">
-                <a16:creationId xmlns:a16="http://schemas.microsoft.com/office/drawing/2014/main" id="{E627F843-1BDD-93E1-957A-A682783A7CC8}"/>
+                <a16:creationId xmlns:a16="http://schemas.microsoft.com/office/drawing/2014/main" id="{ADD4DFBD-274A-E072-3243-D8421AC39EB5}"/>
               </a:ext>
             </a:extLst>
           </p:cNvPr>
@@ -1846,7 +1846,7 @@
           <p:cNvPr id="9" name="灯片编号占位符 8">
             <a:extLst>
               <a:ext uri="{FF2B5EF4-FFF2-40B4-BE49-F238E27FC236}">
-                <a16:creationId xmlns:a16="http://schemas.microsoft.com/office/drawing/2014/main" id="{3BFD348D-9761-CA68-E108-3722B61DF283}"/>
+                <a16:creationId xmlns:a16="http://schemas.microsoft.com/office/drawing/2014/main" id="{CE77B659-5953-E842-8E18-20650F283657}"/>
               </a:ext>
             </a:extLst>
           </p:cNvPr>
@@ -1862,7 +1862,7 @@
           <a:bodyPr/>
           <a:lstStyle/>
           <a:p>
-            <a:fld id="{FDB2589D-A126-4E1B-9208-865458F0A460}" type="slidenum">
+            <a:fld id="{22CC5FB4-3A09-433E-806F-B3B6C873A518}" type="slidenum">
               <a:rPr lang="zh-CN" altLang="en-US" smtClean="0"/>
               <a:t>‹#›</a:t>
             </a:fld>
@@ -1873,7 +1873,7 @@
     </p:spTree>
     <p:extLst>
       <p:ext uri="{BB962C8B-B14F-4D97-AF65-F5344CB8AC3E}">
-        <p14:creationId xmlns:p14="http://schemas.microsoft.com/office/powerpoint/2010/main" val="3284163638"/>
+        <p14:creationId xmlns:p14="http://schemas.microsoft.com/office/powerpoint/2010/main" val="3830258156"/>
       </p:ext>
     </p:extLst>
   </p:cSld>
@@ -1905,7 +1905,7 @@
           <p:cNvPr id="2" name="标题 1">
             <a:extLst>
               <a:ext uri="{FF2B5EF4-FFF2-40B4-BE49-F238E27FC236}">
-                <a16:creationId xmlns:a16="http://schemas.microsoft.com/office/drawing/2014/main" id="{752BFA64-B53D-1414-3BBD-A4B2ECD42A80}"/>
+                <a16:creationId xmlns:a16="http://schemas.microsoft.com/office/drawing/2014/main" id="{1BD937DB-14A9-BCEF-081C-59CCC6B11067}"/>
               </a:ext>
             </a:extLst>
           </p:cNvPr>
@@ -1933,7 +1933,7 @@
           <p:cNvPr id="3" name="日期占位符 2">
             <a:extLst>
               <a:ext uri="{FF2B5EF4-FFF2-40B4-BE49-F238E27FC236}">
-                <a16:creationId xmlns:a16="http://schemas.microsoft.com/office/drawing/2014/main" id="{2059F490-D7CD-936C-65EA-236F70D23C94}"/>
+                <a16:creationId xmlns:a16="http://schemas.microsoft.com/office/drawing/2014/main" id="{1CD9FAF5-62BD-6632-F573-F5B4BF596D56}"/>
               </a:ext>
             </a:extLst>
           </p:cNvPr>
@@ -1949,7 +1949,7 @@
           <a:bodyPr/>
           <a:lstStyle/>
           <a:p>
-            <a:fld id="{A519B9D6-0115-49FB-AC81-37F0EBEBC13D}" type="datetimeFigureOut">
+            <a:fld id="{FADA031B-5CD9-4A3B-A657-E99CCB5CA06F}" type="datetimeFigureOut">
               <a:rPr lang="zh-CN" altLang="en-US" smtClean="0"/>
               <a:t>2024/3/10</a:t>
             </a:fld>
@@ -1962,7 +1962,7 @@
           <p:cNvPr id="4" name="页脚占位符 3">
             <a:extLst>
               <a:ext uri="{FF2B5EF4-FFF2-40B4-BE49-F238E27FC236}">
-                <a16:creationId xmlns:a16="http://schemas.microsoft.com/office/drawing/2014/main" id="{57D520A8-EDA9-7FA3-9F4A-765F2536BA2A}"/>
+                <a16:creationId xmlns:a16="http://schemas.microsoft.com/office/drawing/2014/main" id="{1E5DB0CA-77DF-3483-274C-074CEEB86BE7}"/>
               </a:ext>
             </a:extLst>
           </p:cNvPr>
@@ -1987,7 +1987,7 @@
           <p:cNvPr id="5" name="灯片编号占位符 4">
             <a:extLst>
               <a:ext uri="{FF2B5EF4-FFF2-40B4-BE49-F238E27FC236}">
-                <a16:creationId xmlns:a16="http://schemas.microsoft.com/office/drawing/2014/main" id="{E16C51D2-8320-D37B-C1B3-72BE6F1CEDF2}"/>
+                <a16:creationId xmlns:a16="http://schemas.microsoft.com/office/drawing/2014/main" id="{06D7E5EC-F620-57BD-327F-DEEA9FB38ACF}"/>
               </a:ext>
             </a:extLst>
           </p:cNvPr>
@@ -2003,7 +2003,7 @@
           <a:bodyPr/>
           <a:lstStyle/>
           <a:p>
-            <a:fld id="{FDB2589D-A126-4E1B-9208-865458F0A460}" type="slidenum">
+            <a:fld id="{22CC5FB4-3A09-433E-806F-B3B6C873A518}" type="slidenum">
               <a:rPr lang="zh-CN" altLang="en-US" smtClean="0"/>
               <a:t>‹#›</a:t>
             </a:fld>
@@ -2014,7 +2014,7 @@
     </p:spTree>
     <p:extLst>
       <p:ext uri="{BB962C8B-B14F-4D97-AF65-F5344CB8AC3E}">
-        <p14:creationId xmlns:p14="http://schemas.microsoft.com/office/powerpoint/2010/main" val="4290977611"/>
+        <p14:creationId xmlns:p14="http://schemas.microsoft.com/office/powerpoint/2010/main" val="1383145366"/>
       </p:ext>
     </p:extLst>
   </p:cSld>
@@ -2046,7 +2046,7 @@
           <p:cNvPr id="2" name="日期占位符 1">
             <a:extLst>
               <a:ext uri="{FF2B5EF4-FFF2-40B4-BE49-F238E27FC236}">
-                <a16:creationId xmlns:a16="http://schemas.microsoft.com/office/drawing/2014/main" id="{C7B7B6B9-CCCA-32D4-6BBE-89535FE1748C}"/>
+                <a16:creationId xmlns:a16="http://schemas.microsoft.com/office/drawing/2014/main" id="{6B7B0625-3813-72B6-C01B-33A809ED89BE}"/>
               </a:ext>
             </a:extLst>
           </p:cNvPr>
@@ -2062,7 +2062,7 @@
           <a:bodyPr/>
           <a:lstStyle/>
           <a:p>
-            <a:fld id="{A519B9D6-0115-49FB-AC81-37F0EBEBC13D}" type="datetimeFigureOut">
+            <a:fld id="{FADA031B-5CD9-4A3B-A657-E99CCB5CA06F}" type="datetimeFigureOut">
               <a:rPr lang="zh-CN" altLang="en-US" smtClean="0"/>
               <a:t>2024/3/10</a:t>
             </a:fld>
@@ -2075,7 +2075,7 @@
           <p:cNvPr id="3" name="页脚占位符 2">
             <a:extLst>
               <a:ext uri="{FF2B5EF4-FFF2-40B4-BE49-F238E27FC236}">
-                <a16:creationId xmlns:a16="http://schemas.microsoft.com/office/drawing/2014/main" id="{62F1CCF8-5725-2A54-3AAE-DF9E5757AF2C}"/>
+                <a16:creationId xmlns:a16="http://schemas.microsoft.com/office/drawing/2014/main" id="{6E613867-3DF3-21C3-7A94-2540041D7BC2}"/>
               </a:ext>
             </a:extLst>
           </p:cNvPr>
@@ -2100,7 +2100,7 @@
           <p:cNvPr id="4" name="灯片编号占位符 3">
             <a:extLst>
               <a:ext uri="{FF2B5EF4-FFF2-40B4-BE49-F238E27FC236}">
-                <a16:creationId xmlns:a16="http://schemas.microsoft.com/office/drawing/2014/main" id="{ED1D65AF-FF7F-B296-66DE-F5F86D41B109}"/>
+                <a16:creationId xmlns:a16="http://schemas.microsoft.com/office/drawing/2014/main" id="{32640481-455F-0615-9BE4-DF441486CB56}"/>
               </a:ext>
             </a:extLst>
           </p:cNvPr>
@@ -2116,7 +2116,7 @@
           <a:bodyPr/>
           <a:lstStyle/>
           <a:p>
-            <a:fld id="{FDB2589D-A126-4E1B-9208-865458F0A460}" type="slidenum">
+            <a:fld id="{22CC5FB4-3A09-433E-806F-B3B6C873A518}" type="slidenum">
               <a:rPr lang="zh-CN" altLang="en-US" smtClean="0"/>
               <a:t>‹#›</a:t>
             </a:fld>
@@ -2127,7 +2127,7 @@
     </p:spTree>
     <p:extLst>
       <p:ext uri="{BB962C8B-B14F-4D97-AF65-F5344CB8AC3E}">
-        <p14:creationId xmlns:p14="http://schemas.microsoft.com/office/powerpoint/2010/main" val="325937460"/>
+        <p14:creationId xmlns:p14="http://schemas.microsoft.com/office/powerpoint/2010/main" val="1168390423"/>
       </p:ext>
     </p:extLst>
   </p:cSld>
@@ -2159,7 +2159,7 @@
           <p:cNvPr id="2" name="标题 1">
             <a:extLst>
               <a:ext uri="{FF2B5EF4-FFF2-40B4-BE49-F238E27FC236}">
-                <a16:creationId xmlns:a16="http://schemas.microsoft.com/office/drawing/2014/main" id="{FD9464CE-82AF-8243-0BCF-F1EFCD29081D}"/>
+                <a16:creationId xmlns:a16="http://schemas.microsoft.com/office/drawing/2014/main" id="{A9D5A52F-D6E0-E316-A2DD-54C31B02C049}"/>
               </a:ext>
             </a:extLst>
           </p:cNvPr>
@@ -2196,7 +2196,7 @@
           <p:cNvPr id="3" name="内容占位符 2">
             <a:extLst>
               <a:ext uri="{FF2B5EF4-FFF2-40B4-BE49-F238E27FC236}">
-                <a16:creationId xmlns:a16="http://schemas.microsoft.com/office/drawing/2014/main" id="{025DB0AC-AC9A-A87C-E393-4CD9D070C715}"/>
+                <a16:creationId xmlns:a16="http://schemas.microsoft.com/office/drawing/2014/main" id="{90700D88-0640-510F-805C-F31C1999C740}"/>
               </a:ext>
             </a:extLst>
           </p:cNvPr>
@@ -2286,7 +2286,7 @@
           <p:cNvPr id="4" name="文本占位符 3">
             <a:extLst>
               <a:ext uri="{FF2B5EF4-FFF2-40B4-BE49-F238E27FC236}">
-                <a16:creationId xmlns:a16="http://schemas.microsoft.com/office/drawing/2014/main" id="{A50AB680-2D33-B6F0-BCAC-F78533B25989}"/>
+                <a16:creationId xmlns:a16="http://schemas.microsoft.com/office/drawing/2014/main" id="{C6CABC7F-5371-0AE1-5B1B-E4304F7AA912}"/>
               </a:ext>
             </a:extLst>
           </p:cNvPr>
@@ -2357,7 +2357,7 @@
           <p:cNvPr id="5" name="日期占位符 4">
             <a:extLst>
               <a:ext uri="{FF2B5EF4-FFF2-40B4-BE49-F238E27FC236}">
-                <a16:creationId xmlns:a16="http://schemas.microsoft.com/office/drawing/2014/main" id="{7FF3D5E0-617B-24B6-363B-9241505AE82D}"/>
+                <a16:creationId xmlns:a16="http://schemas.microsoft.com/office/drawing/2014/main" id="{D91FC546-136F-5A16-C731-D7E205900654}"/>
               </a:ext>
             </a:extLst>
           </p:cNvPr>
@@ -2373,7 +2373,7 @@
           <a:bodyPr/>
           <a:lstStyle/>
           <a:p>
-            <a:fld id="{A519B9D6-0115-49FB-AC81-37F0EBEBC13D}" type="datetimeFigureOut">
+            <a:fld id="{FADA031B-5CD9-4A3B-A657-E99CCB5CA06F}" type="datetimeFigureOut">
               <a:rPr lang="zh-CN" altLang="en-US" smtClean="0"/>
               <a:t>2024/3/10</a:t>
             </a:fld>
@@ -2386,7 +2386,7 @@
           <p:cNvPr id="6" name="页脚占位符 5">
             <a:extLst>
               <a:ext uri="{FF2B5EF4-FFF2-40B4-BE49-F238E27FC236}">
-                <a16:creationId xmlns:a16="http://schemas.microsoft.com/office/drawing/2014/main" id="{3D768CCA-0C5B-1CB8-CA4D-F8C6FE17974F}"/>
+                <a16:creationId xmlns:a16="http://schemas.microsoft.com/office/drawing/2014/main" id="{8D73C4FC-D28E-1941-B6E8-D55C2203ACFA}"/>
               </a:ext>
             </a:extLst>
           </p:cNvPr>
@@ -2411,7 +2411,7 @@
           <p:cNvPr id="7" name="灯片编号占位符 6">
             <a:extLst>
               <a:ext uri="{FF2B5EF4-FFF2-40B4-BE49-F238E27FC236}">
-                <a16:creationId xmlns:a16="http://schemas.microsoft.com/office/drawing/2014/main" id="{A33C22A8-D8C2-46B0-51BA-D87A82417A8B}"/>
+                <a16:creationId xmlns:a16="http://schemas.microsoft.com/office/drawing/2014/main" id="{A09C64BB-1957-EED0-16EF-D4F37BE1D98C}"/>
               </a:ext>
             </a:extLst>
           </p:cNvPr>
@@ -2427,7 +2427,7 @@
           <a:bodyPr/>
           <a:lstStyle/>
           <a:p>
-            <a:fld id="{FDB2589D-A126-4E1B-9208-865458F0A460}" type="slidenum">
+            <a:fld id="{22CC5FB4-3A09-433E-806F-B3B6C873A518}" type="slidenum">
               <a:rPr lang="zh-CN" altLang="en-US" smtClean="0"/>
               <a:t>‹#›</a:t>
             </a:fld>
@@ -2438,7 +2438,7 @@
     </p:spTree>
     <p:extLst>
       <p:ext uri="{BB962C8B-B14F-4D97-AF65-F5344CB8AC3E}">
-        <p14:creationId xmlns:p14="http://schemas.microsoft.com/office/powerpoint/2010/main" val="2626545060"/>
+        <p14:creationId xmlns:p14="http://schemas.microsoft.com/office/powerpoint/2010/main" val="2424837306"/>
       </p:ext>
     </p:extLst>
   </p:cSld>
@@ -2470,7 +2470,7 @@
           <p:cNvPr id="2" name="标题 1">
             <a:extLst>
               <a:ext uri="{FF2B5EF4-FFF2-40B4-BE49-F238E27FC236}">
-                <a16:creationId xmlns:a16="http://schemas.microsoft.com/office/drawing/2014/main" id="{27B8BC90-985A-19F4-1EBC-9A02AD60EA34}"/>
+                <a16:creationId xmlns:a16="http://schemas.microsoft.com/office/drawing/2014/main" id="{3D2B18CD-872A-7069-E795-6829753D5A0D}"/>
               </a:ext>
             </a:extLst>
           </p:cNvPr>
@@ -2507,7 +2507,7 @@
           <p:cNvPr id="3" name="图片占位符 2">
             <a:extLst>
               <a:ext uri="{FF2B5EF4-FFF2-40B4-BE49-F238E27FC236}">
-                <a16:creationId xmlns:a16="http://schemas.microsoft.com/office/drawing/2014/main" id="{20E424C4-C0D7-C6FF-9AFB-617AEC6688E1}"/>
+                <a16:creationId xmlns:a16="http://schemas.microsoft.com/office/drawing/2014/main" id="{D8E51AF4-57D7-F458-7CF5-97F6E637C41C}"/>
               </a:ext>
             </a:extLst>
           </p:cNvPr>
@@ -2574,7 +2574,7 @@
           <p:cNvPr id="4" name="文本占位符 3">
             <a:extLst>
               <a:ext uri="{FF2B5EF4-FFF2-40B4-BE49-F238E27FC236}">
-                <a16:creationId xmlns:a16="http://schemas.microsoft.com/office/drawing/2014/main" id="{B660CB74-7577-0D1F-608F-46D75AC9959A}"/>
+                <a16:creationId xmlns:a16="http://schemas.microsoft.com/office/drawing/2014/main" id="{FE668485-447B-E7F2-1E06-F6D3F988921A}"/>
               </a:ext>
             </a:extLst>
           </p:cNvPr>
@@ -2645,7 +2645,7 @@
           <p:cNvPr id="5" name="日期占位符 4">
             <a:extLst>
               <a:ext uri="{FF2B5EF4-FFF2-40B4-BE49-F238E27FC236}">
-                <a16:creationId xmlns:a16="http://schemas.microsoft.com/office/drawing/2014/main" id="{9CED732D-3A23-CB6F-C7B3-68A6EC8F55CE}"/>
+                <a16:creationId xmlns:a16="http://schemas.microsoft.com/office/drawing/2014/main" id="{3497D9E3-4DC9-8788-3B80-EBB47DB4639E}"/>
               </a:ext>
             </a:extLst>
           </p:cNvPr>
@@ -2661,7 +2661,7 @@
           <a:bodyPr/>
           <a:lstStyle/>
           <a:p>
-            <a:fld id="{A519B9D6-0115-49FB-AC81-37F0EBEBC13D}" type="datetimeFigureOut">
+            <a:fld id="{FADA031B-5CD9-4A3B-A657-E99CCB5CA06F}" type="datetimeFigureOut">
               <a:rPr lang="zh-CN" altLang="en-US" smtClean="0"/>
               <a:t>2024/3/10</a:t>
             </a:fld>
@@ -2674,7 +2674,7 @@
           <p:cNvPr id="6" name="页脚占位符 5">
             <a:extLst>
               <a:ext uri="{FF2B5EF4-FFF2-40B4-BE49-F238E27FC236}">
-                <a16:creationId xmlns:a16="http://schemas.microsoft.com/office/drawing/2014/main" id="{0269D5D3-A228-034B-3EB5-8668D430512E}"/>
+                <a16:creationId xmlns:a16="http://schemas.microsoft.com/office/drawing/2014/main" id="{78885256-30F3-F4FD-2E61-3AF981F918CB}"/>
               </a:ext>
             </a:extLst>
           </p:cNvPr>
@@ -2699,7 +2699,7 @@
           <p:cNvPr id="7" name="灯片编号占位符 6">
             <a:extLst>
               <a:ext uri="{FF2B5EF4-FFF2-40B4-BE49-F238E27FC236}">
-                <a16:creationId xmlns:a16="http://schemas.microsoft.com/office/drawing/2014/main" id="{F6ED9A38-2DD3-4669-51CB-9329FE33877B}"/>
+                <a16:creationId xmlns:a16="http://schemas.microsoft.com/office/drawing/2014/main" id="{40E39CF0-1FC9-DEF2-31BC-B389C1AD0F2F}"/>
               </a:ext>
             </a:extLst>
           </p:cNvPr>
@@ -2715,7 +2715,7 @@
           <a:bodyPr/>
           <a:lstStyle/>
           <a:p>
-            <a:fld id="{FDB2589D-A126-4E1B-9208-865458F0A460}" type="slidenum">
+            <a:fld id="{22CC5FB4-3A09-433E-806F-B3B6C873A518}" type="slidenum">
               <a:rPr lang="zh-CN" altLang="en-US" smtClean="0"/>
               <a:t>‹#›</a:t>
             </a:fld>
@@ -2726,7 +2726,7 @@
     </p:spTree>
     <p:extLst>
       <p:ext uri="{BB962C8B-B14F-4D97-AF65-F5344CB8AC3E}">
-        <p14:creationId xmlns:p14="http://schemas.microsoft.com/office/powerpoint/2010/main" val="3622092800"/>
+        <p14:creationId xmlns:p14="http://schemas.microsoft.com/office/powerpoint/2010/main" val="3144196924"/>
       </p:ext>
     </p:extLst>
   </p:cSld>
@@ -2763,7 +2763,7 @@
           <p:cNvPr id="2" name="标题占位符 1">
             <a:extLst>
               <a:ext uri="{FF2B5EF4-FFF2-40B4-BE49-F238E27FC236}">
-                <a16:creationId xmlns:a16="http://schemas.microsoft.com/office/drawing/2014/main" id="{5790C9FA-9EBE-B2DF-56A5-A42183E4D622}"/>
+                <a16:creationId xmlns:a16="http://schemas.microsoft.com/office/drawing/2014/main" id="{518A28DF-D336-FEC0-97E8-316469CE0D34}"/>
               </a:ext>
             </a:extLst>
           </p:cNvPr>
@@ -2801,7 +2801,7 @@
           <p:cNvPr id="3" name="文本占位符 2">
             <a:extLst>
               <a:ext uri="{FF2B5EF4-FFF2-40B4-BE49-F238E27FC236}">
-                <a16:creationId xmlns:a16="http://schemas.microsoft.com/office/drawing/2014/main" id="{22922DFB-336E-86A8-AE8D-05500C143D26}"/>
+                <a16:creationId xmlns:a16="http://schemas.microsoft.com/office/drawing/2014/main" id="{2E357C83-8772-ECBD-F92B-4DA280BC8A2D}"/>
               </a:ext>
             </a:extLst>
           </p:cNvPr>
@@ -2868,7 +2868,7 @@
           <p:cNvPr id="4" name="日期占位符 3">
             <a:extLst>
               <a:ext uri="{FF2B5EF4-FFF2-40B4-BE49-F238E27FC236}">
-                <a16:creationId xmlns:a16="http://schemas.microsoft.com/office/drawing/2014/main" id="{6DC7AB9A-B0DA-048F-F09A-B2A52D146D34}"/>
+                <a16:creationId xmlns:a16="http://schemas.microsoft.com/office/drawing/2014/main" id="{5542DA86-3FDA-39EF-9B4D-CCEE8E92D2FD}"/>
               </a:ext>
             </a:extLst>
           </p:cNvPr>
@@ -2902,7 +2902,7 @@
             </a:lvl1pPr>
           </a:lstStyle>
           <a:p>
-            <a:fld id="{A519B9D6-0115-49FB-AC81-37F0EBEBC13D}" type="datetimeFigureOut">
+            <a:fld id="{FADA031B-5CD9-4A3B-A657-E99CCB5CA06F}" type="datetimeFigureOut">
               <a:rPr lang="zh-CN" altLang="en-US" smtClean="0"/>
               <a:t>2024/3/10</a:t>
             </a:fld>
@@ -2915,7 +2915,7 @@
           <p:cNvPr id="5" name="页脚占位符 4">
             <a:extLst>
               <a:ext uri="{FF2B5EF4-FFF2-40B4-BE49-F238E27FC236}">
-                <a16:creationId xmlns:a16="http://schemas.microsoft.com/office/drawing/2014/main" id="{98805125-DC54-00D6-8B14-F3EAA5861566}"/>
+                <a16:creationId xmlns:a16="http://schemas.microsoft.com/office/drawing/2014/main" id="{2A07D0F4-995C-9D89-CBC9-6CC0B95FE3B3}"/>
               </a:ext>
             </a:extLst>
           </p:cNvPr>
@@ -2958,7 +2958,7 @@
           <p:cNvPr id="6" name="灯片编号占位符 5">
             <a:extLst>
               <a:ext uri="{FF2B5EF4-FFF2-40B4-BE49-F238E27FC236}">
-                <a16:creationId xmlns:a16="http://schemas.microsoft.com/office/drawing/2014/main" id="{207DC43E-27B2-4956-4D4D-A3CE7B453715}"/>
+                <a16:creationId xmlns:a16="http://schemas.microsoft.com/office/drawing/2014/main" id="{791EE275-426F-B33C-95DE-BFD97546485B}"/>
               </a:ext>
             </a:extLst>
           </p:cNvPr>
@@ -2992,7 +2992,7 @@
             </a:lvl1pPr>
           </a:lstStyle>
           <a:p>
-            <a:fld id="{FDB2589D-A126-4E1B-9208-865458F0A460}" type="slidenum">
+            <a:fld id="{22CC5FB4-3A09-433E-806F-B3B6C873A518}" type="slidenum">
               <a:rPr lang="zh-CN" altLang="en-US" smtClean="0"/>
               <a:t>‹#›</a:t>
             </a:fld>
@@ -3003,7 +3003,7 @@
     </p:spTree>
     <p:extLst>
       <p:ext uri="{BB962C8B-B14F-4D97-AF65-F5344CB8AC3E}">
-        <p14:creationId xmlns:p14="http://schemas.microsoft.com/office/powerpoint/2010/main" val="2807382030"/>
+        <p14:creationId xmlns:p14="http://schemas.microsoft.com/office/powerpoint/2010/main" val="1694702991"/>
       </p:ext>
     </p:extLst>
   </p:cSld>
@@ -3323,7 +3323,7 @@
       </p:grpSpPr>
       <p:pic>
         <p:nvPicPr>
-          <p:cNvPr id="600066" name="Picture 2" descr="585"/>
+          <p:cNvPr id="601090" name="Picture 2" descr="586"/>
           <p:cNvPicPr>
             <a:picLocks noChangeAspect="1" noChangeArrowheads="1"/>
           </p:cNvPicPr>
@@ -3344,8 +3344,8 @@
         </p:blipFill>
         <p:spPr bwMode="auto">
           <a:xfrm>
-            <a:off x="1524000" y="0"/>
-            <a:ext cx="9144000" cy="6858000"/>
+            <a:off x="1524000" y="1"/>
+            <a:ext cx="9144000" cy="6238875"/>
           </a:xfrm>
           <a:prstGeom prst="rect">
             <a:avLst/>
@@ -3375,11 +3375,158 @@
           </a:extLst>
         </p:spPr>
       </p:pic>
+      <p:pic>
+        <p:nvPicPr>
+          <p:cNvPr id="602115" name="Picture 3" descr="586-2"/>
+          <p:cNvPicPr>
+            <a:picLocks noChangeAspect="1" noChangeArrowheads="1"/>
+          </p:cNvPicPr>
+          <p:nvPr/>
+        </p:nvPicPr>
+        <p:blipFill>
+          <a:blip r:embed="rId3">
+            <a:extLst>
+              <a:ext uri="{28A0092B-C50C-407E-A947-70E740481C1C}">
+                <a14:useLocalDpi xmlns:a14="http://schemas.microsoft.com/office/drawing/2010/main" val="0"/>
+              </a:ext>
+            </a:extLst>
+          </a:blip>
+          <a:srcRect/>
+          <a:stretch>
+            <a:fillRect/>
+          </a:stretch>
+        </p:blipFill>
+        <p:spPr bwMode="auto">
+          <a:xfrm>
+            <a:off x="1524000" y="1"/>
+            <a:ext cx="9144000" cy="6308725"/>
+          </a:xfrm>
+          <a:prstGeom prst="rect">
+            <a:avLst/>
+          </a:prstGeom>
+          <a:noFill/>
+          <a:ln>
+            <a:noFill/>
+          </a:ln>
+          <a:effectLst/>
+          <a:extLst>
+            <a:ext uri="{909E8E84-426E-40DD-AFC4-6F175D3DCCD1}">
+              <a14:hiddenFill xmlns:a14="http://schemas.microsoft.com/office/drawing/2010/main">
+                <a:solidFill>
+                  <a:srgbClr val="FFFFFF"/>
+                </a:solidFill>
+              </a14:hiddenFill>
+            </a:ext>
+            <a:ext uri="{91240B29-F687-4F45-9708-019B960494DF}">
+              <a14:hiddenLine xmlns:a14="http://schemas.microsoft.com/office/drawing/2010/main" w="9525">
+                <a:solidFill>
+                  <a:srgbClr val="000000"/>
+                </a:solidFill>
+                <a:miter lim="800000"/>
+                <a:headEnd/>
+                <a:tailEnd/>
+              </a14:hiddenLine>
+            </a:ext>
+            <a:ext uri="{AF507438-7753-43E0-B8FC-AC1667EBCBE1}">
+              <a14:hiddenEffects xmlns:a14="http://schemas.microsoft.com/office/drawing/2010/main">
+                <a:effectLst>
+                  <a:outerShdw dist="35921" dir="2700000" algn="ctr" rotWithShape="0">
+                    <a:srgbClr val="808080"/>
+                  </a:outerShdw>
+                </a:effectLst>
+              </a14:hiddenEffects>
+            </a:ext>
+          </a:extLst>
+        </p:spPr>
+      </p:pic>
     </p:spTree>
   </p:cSld>
   <p:clrMapOvr>
     <a:masterClrMapping/>
   </p:clrMapOvr>
+  <p:timing>
+    <p:tnLst>
+      <p:par>
+        <p:cTn id="1" dur="indefinite" restart="never" nodeType="tmRoot">
+          <p:childTnLst>
+            <p:seq concurrent="1" nextAc="seek">
+              <p:cTn id="2" dur="indefinite" nodeType="mainSeq">
+                <p:childTnLst>
+                  <p:par>
+                    <p:cTn id="3" fill="hold" nodeType="clickPar">
+                      <p:stCondLst>
+                        <p:cond delay="indefinite"/>
+                      </p:stCondLst>
+                      <p:childTnLst>
+                        <p:par>
+                          <p:cTn id="4" fill="hold" nodeType="withGroup">
+                            <p:stCondLst>
+                              <p:cond delay="0"/>
+                            </p:stCondLst>
+                            <p:childTnLst>
+                              <p:par>
+                                <p:cTn id="5" presetID="10" presetClass="entr" presetSubtype="0" fill="hold" nodeType="clickEffect">
+                                  <p:stCondLst>
+                                    <p:cond delay="0"/>
+                                  </p:stCondLst>
+                                  <p:childTnLst>
+                                    <p:set>
+                                      <p:cBhvr>
+                                        <p:cTn id="6" dur="1" fill="hold">
+                                          <p:stCondLst>
+                                            <p:cond delay="0"/>
+                                          </p:stCondLst>
+                                        </p:cTn>
+                                        <p:tgtEl>
+                                          <p:spTgt spid="602115"/>
+                                        </p:tgtEl>
+                                        <p:attrNameLst>
+                                          <p:attrName>style.visibility</p:attrName>
+                                        </p:attrNameLst>
+                                      </p:cBhvr>
+                                      <p:to>
+                                        <p:strVal val="visible"/>
+                                      </p:to>
+                                    </p:set>
+                                    <p:animEffect transition="in" filter="fade">
+                                      <p:cBhvr>
+                                        <p:cTn id="7" dur="500"/>
+                                        <p:tgtEl>
+                                          <p:spTgt spid="602115"/>
+                                        </p:tgtEl>
+                                      </p:cBhvr>
+                                    </p:animEffect>
+                                  </p:childTnLst>
+                                </p:cTn>
+                              </p:par>
+                            </p:childTnLst>
+                          </p:cTn>
+                        </p:par>
+                      </p:childTnLst>
+                    </p:cTn>
+                  </p:par>
+                </p:childTnLst>
+              </p:cTn>
+              <p:prevCondLst>
+                <p:cond evt="onPrev" delay="0">
+                  <p:tgtEl>
+                    <p:sldTgt/>
+                  </p:tgtEl>
+                </p:cond>
+              </p:prevCondLst>
+              <p:nextCondLst>
+                <p:cond evt="onNext" delay="0">
+                  <p:tgtEl>
+                    <p:sldTgt/>
+                  </p:tgtEl>
+                </p:cond>
+              </p:nextCondLst>
+            </p:seq>
+          </p:childTnLst>
+        </p:cTn>
+      </p:par>
+    </p:tnLst>
+  </p:timing>
 </p:sld>
 </file>
 
